--- a/Images/Figures_To_Review/PieCharts_Metabolic/SAR/SARNoRictorv2.pptx
+++ b/Images/Figures_To_Review/PieCharts_Metabolic/SAR/SARNoRictorv2.pptx
@@ -307,7 +307,7 @@
           <a:p>
             <a:fld id="{E6744CE3-0875-4B69-89C0-6F72D8139561}" type="datetimeFigureOut">
               <a:rPr lang="en-GB" smtClean="0"/>
-              <a:t>15/05/2025</a:t>
+              <a:t>03/06/2025</a:t>
             </a:fld>
             <a:endParaRPr lang="en-GB"/>
           </a:p>
@@ -477,7 +477,7 @@
           <a:p>
             <a:fld id="{E6744CE3-0875-4B69-89C0-6F72D8139561}" type="datetimeFigureOut">
               <a:rPr lang="en-GB" smtClean="0"/>
-              <a:t>15/05/2025</a:t>
+              <a:t>03/06/2025</a:t>
             </a:fld>
             <a:endParaRPr lang="en-GB"/>
           </a:p>
@@ -723,7 +723,7 @@
           <a:p>
             <a:fld id="{E6744CE3-0875-4B69-89C0-6F72D8139561}" type="datetimeFigureOut">
               <a:rPr lang="en-GB" smtClean="0"/>
-              <a:t>15/05/2025</a:t>
+              <a:t>03/06/2025</a:t>
             </a:fld>
             <a:endParaRPr lang="en-GB"/>
           </a:p>
@@ -1011,7 +1011,7 @@
           <a:p>
             <a:fld id="{E6744CE3-0875-4B69-89C0-6F72D8139561}" type="datetimeFigureOut">
               <a:rPr lang="en-GB" smtClean="0"/>
-              <a:t>15/05/2025</a:t>
+              <a:t>03/06/2025</a:t>
             </a:fld>
             <a:endParaRPr lang="en-GB"/>
           </a:p>
@@ -1433,7 +1433,7 @@
           <a:p>
             <a:fld id="{E6744CE3-0875-4B69-89C0-6F72D8139561}" type="datetimeFigureOut">
               <a:rPr lang="en-GB" smtClean="0"/>
-              <a:t>15/05/2025</a:t>
+              <a:t>03/06/2025</a:t>
             </a:fld>
             <a:endParaRPr lang="en-GB"/>
           </a:p>
@@ -1551,7 +1551,7 @@
           <a:p>
             <a:fld id="{E6744CE3-0875-4B69-89C0-6F72D8139561}" type="datetimeFigureOut">
               <a:rPr lang="en-GB" smtClean="0"/>
-              <a:t>15/05/2025</a:t>
+              <a:t>03/06/2025</a:t>
             </a:fld>
             <a:endParaRPr lang="en-GB"/>
           </a:p>
@@ -1646,7 +1646,7 @@
           <a:p>
             <a:fld id="{E6744CE3-0875-4B69-89C0-6F72D8139561}" type="datetimeFigureOut">
               <a:rPr lang="en-GB" smtClean="0"/>
-              <a:t>15/05/2025</a:t>
+              <a:t>03/06/2025</a:t>
             </a:fld>
             <a:endParaRPr lang="en-GB"/>
           </a:p>
@@ -1859,7 +1859,7 @@
           <a:p>
             <a:fld id="{E6744CE3-0875-4B69-89C0-6F72D8139561}" type="datetimeFigureOut">
               <a:rPr lang="en-GB" smtClean="0"/>
-              <a:t>15/05/2025</a:t>
+              <a:t>03/06/2025</a:t>
             </a:fld>
             <a:endParaRPr lang="en-GB"/>
           </a:p>
@@ -2238,10 +2238,10 @@
         </p:nvGrpSpPr>
         <p:grpSpPr>
           <a:xfrm>
-            <a:off x="-180528" y="116632"/>
-            <a:ext cx="9324528" cy="6400800"/>
-            <a:chOff x="733872" y="914400"/>
-            <a:chExt cx="9324528" cy="6400800"/>
+            <a:off x="-781745" y="116632"/>
+            <a:ext cx="9925745" cy="6400800"/>
+            <a:chOff x="132655" y="914400"/>
+            <a:chExt cx="9925745" cy="6400800"/>
           </a:xfrm>
         </p:grpSpPr>
         <p:sp>
@@ -2277,7 +2277,7 @@
             <a:bodyPr/>
             <a:lstStyle/>
             <a:p>
-              <a:endParaRPr/>
+              <a:endParaRPr dirty="0"/>
             </a:p>
           </p:txBody>
         </p:sp>
@@ -3525,14 +3525,15 @@
                 </a:spcAft>
               </a:pPr>
               <a:r>
-                <a:rPr sz="1200" dirty="0">
+                <a:rPr sz="1200" b="1" dirty="0">
                   <a:solidFill>
                     <a:srgbClr val="000000">
                       <a:alpha val="100000"/>
                     </a:srgbClr>
                   </a:solidFill>
-                  <a:latin typeface="Arial"/>
-                  <a:cs typeface="Arial"/>
+                  <a:latin typeface="Times New Roman" panose="02020603050405020304" pitchFamily="18" charset="0"/>
+                  <a:ea typeface="Tahoma" panose="020B0604030504040204" pitchFamily="34" charset="0"/>
+                  <a:cs typeface="Times New Roman" panose="02020603050405020304" pitchFamily="18" charset="0"/>
                 </a:rPr>
                 <a:t>Plastid Parasite </a:t>
               </a:r>
@@ -3571,14 +3572,14 @@
                 </a:spcAft>
               </a:pPr>
               <a:r>
-                <a:rPr sz="1200" dirty="0">
+                <a:rPr sz="1200" b="1" dirty="0">
                   <a:solidFill>
                     <a:srgbClr val="000000">
                       <a:alpha val="100000"/>
                     </a:srgbClr>
                   </a:solidFill>
-                  <a:latin typeface="Arial"/>
-                  <a:cs typeface="Arial"/>
+                  <a:latin typeface="Times New Roman" panose="02020603050405020304" pitchFamily="18" charset="0"/>
+                  <a:cs typeface="Times New Roman" panose="02020603050405020304" pitchFamily="18" charset="0"/>
                 </a:rPr>
                 <a:t> 75.524 %</a:t>
               </a:r>
@@ -3617,14 +3618,14 @@
                 </a:spcAft>
               </a:pPr>
               <a:r>
-                <a:rPr sz="1200" dirty="0">
+                <a:rPr sz="1200" b="1" dirty="0">
                   <a:solidFill>
                     <a:srgbClr val="000000">
                       <a:alpha val="100000"/>
                     </a:srgbClr>
                   </a:solidFill>
-                  <a:latin typeface="Arial"/>
-                  <a:cs typeface="Arial"/>
+                  <a:latin typeface="Times New Roman" panose="02020603050405020304" pitchFamily="18" charset="0"/>
+                  <a:cs typeface="Times New Roman" panose="02020603050405020304" pitchFamily="18" charset="0"/>
                 </a:rPr>
                 <a:t>Endosymbiotic</a:t>
               </a:r>
@@ -3635,8 +3636,8 @@
                       <a:alpha val="100000"/>
                     </a:srgbClr>
                   </a:solidFill>
-                  <a:latin typeface="Arial"/>
-                  <a:cs typeface="Arial"/>
+                  <a:latin typeface="Times New Roman" panose="02020603050405020304" pitchFamily="18" charset="0"/>
+                  <a:cs typeface="Times New Roman" panose="02020603050405020304" pitchFamily="18" charset="0"/>
                 </a:rPr>
                 <a:t> </a:t>
               </a:r>
@@ -3675,14 +3676,14 @@
                 </a:spcAft>
               </a:pPr>
               <a:r>
-                <a:rPr sz="1200" dirty="0">
+                <a:rPr sz="1200" b="1" dirty="0">
                   <a:solidFill>
                     <a:srgbClr val="000000">
                       <a:alpha val="100000"/>
                     </a:srgbClr>
                   </a:solidFill>
-                  <a:latin typeface="Arial"/>
-                  <a:cs typeface="Arial"/>
+                  <a:latin typeface="Times New Roman" panose="02020603050405020304" pitchFamily="18" charset="0"/>
+                  <a:cs typeface="Times New Roman" panose="02020603050405020304" pitchFamily="18" charset="0"/>
                 </a:rPr>
                 <a:t> 6.294 %</a:t>
               </a:r>
@@ -3721,14 +3722,14 @@
                 </a:spcAft>
               </a:pPr>
               <a:r>
-                <a:rPr sz="1200" dirty="0">
+                <a:rPr sz="1200" b="1" dirty="0">
                   <a:solidFill>
                     <a:srgbClr val="000000">
                       <a:alpha val="100000"/>
                     </a:srgbClr>
                   </a:solidFill>
-                  <a:latin typeface="Arial"/>
-                  <a:cs typeface="Arial"/>
+                  <a:latin typeface="Times New Roman" panose="02020603050405020304" pitchFamily="18" charset="0"/>
+                  <a:cs typeface="Times New Roman" panose="02020603050405020304" pitchFamily="18" charset="0"/>
                 </a:rPr>
                 <a:t>Autotrophic</a:t>
               </a:r>
@@ -3779,14 +3780,15 @@
                 </a:spcAft>
               </a:pPr>
               <a:r>
-                <a:rPr sz="1200" dirty="0">
+                <a:rPr sz="1200" b="1" dirty="0">
                   <a:solidFill>
                     <a:srgbClr val="000000">
                       <a:alpha val="100000"/>
                     </a:srgbClr>
                   </a:solidFill>
-                  <a:latin typeface="Arial"/>
-                  <a:cs typeface="Arial"/>
+                  <a:latin typeface="Times New Roman" panose="02020603050405020304" pitchFamily="18" charset="0"/>
+                  <a:ea typeface="Tahoma" panose="020B0604030504040204" pitchFamily="34" charset="0"/>
+                  <a:cs typeface="Times New Roman" panose="02020603050405020304" pitchFamily="18" charset="0"/>
                 </a:rPr>
                 <a:t> 18.182 %</a:t>
               </a:r>
@@ -3801,7 +3803,7 @@
           </p:nvSpPr>
           <p:spPr>
             <a:xfrm>
-              <a:off x="733872" y="948827"/>
+              <a:off x="132655" y="920588"/>
               <a:ext cx="5221560" cy="152578"/>
             </a:xfrm>
             <a:prstGeom prst="rect">
@@ -3825,7 +3827,7 @@
                 </a:spcAft>
               </a:pPr>
               <a:r>
-                <a:rPr sz="1200" dirty="0">
+                <a:rPr dirty="0">
                   <a:solidFill>
                     <a:srgbClr val="000000">
                       <a:alpha val="100000"/>
@@ -3834,7 +3836,31 @@
                   <a:latin typeface="Times New Roman"/>
                   <a:cs typeface="Times New Roman"/>
                 </a:rPr>
-                <a:t>Metabolic Strategy Breakdown of SAR Organisms That Don't Have RICTOR</a:t>
+                <a:t>Metabolic Strategy SAR </a:t>
+              </a:r>
+              <a:r>
+                <a:rPr lang="en-US" dirty="0">
+                  <a:solidFill>
+                    <a:srgbClr val="000000">
+                      <a:alpha val="100000"/>
+                    </a:srgbClr>
+                  </a:solidFill>
+                  <a:latin typeface="Times New Roman"/>
+                  <a:cs typeface="Times New Roman"/>
+                </a:rPr>
+                <a:t>No </a:t>
+              </a:r>
+              <a:r>
+                <a:rPr dirty="0">
+                  <a:solidFill>
+                    <a:srgbClr val="000000">
+                      <a:alpha val="100000"/>
+                    </a:srgbClr>
+                  </a:solidFill>
+                  <a:latin typeface="Times New Roman"/>
+                  <a:cs typeface="Times New Roman"/>
+                </a:rPr>
+                <a:t>RICTOR</a:t>
               </a:r>
             </a:p>
           </p:txBody>

--- a/Images/Figures_To_Review/PieCharts_Metabolic/SAR/SARNoRictorv2.pptx
+++ b/Images/Figures_To_Review/PieCharts_Metabolic/SAR/SARNoRictorv2.pptx
@@ -307,7 +307,7 @@
           <a:p>
             <a:fld id="{E6744CE3-0875-4B69-89C0-6F72D8139561}" type="datetimeFigureOut">
               <a:rPr lang="en-GB" smtClean="0"/>
-              <a:t>03/06/2025</a:t>
+              <a:t>05/06/2025</a:t>
             </a:fld>
             <a:endParaRPr lang="en-GB"/>
           </a:p>
@@ -477,7 +477,7 @@
           <a:p>
             <a:fld id="{E6744CE3-0875-4B69-89C0-6F72D8139561}" type="datetimeFigureOut">
               <a:rPr lang="en-GB" smtClean="0"/>
-              <a:t>03/06/2025</a:t>
+              <a:t>05/06/2025</a:t>
             </a:fld>
             <a:endParaRPr lang="en-GB"/>
           </a:p>
@@ -723,7 +723,7 @@
           <a:p>
             <a:fld id="{E6744CE3-0875-4B69-89C0-6F72D8139561}" type="datetimeFigureOut">
               <a:rPr lang="en-GB" smtClean="0"/>
-              <a:t>03/06/2025</a:t>
+              <a:t>05/06/2025</a:t>
             </a:fld>
             <a:endParaRPr lang="en-GB"/>
           </a:p>
@@ -1011,7 +1011,7 @@
           <a:p>
             <a:fld id="{E6744CE3-0875-4B69-89C0-6F72D8139561}" type="datetimeFigureOut">
               <a:rPr lang="en-GB" smtClean="0"/>
-              <a:t>03/06/2025</a:t>
+              <a:t>05/06/2025</a:t>
             </a:fld>
             <a:endParaRPr lang="en-GB"/>
           </a:p>
@@ -1433,7 +1433,7 @@
           <a:p>
             <a:fld id="{E6744CE3-0875-4B69-89C0-6F72D8139561}" type="datetimeFigureOut">
               <a:rPr lang="en-GB" smtClean="0"/>
-              <a:t>03/06/2025</a:t>
+              <a:t>05/06/2025</a:t>
             </a:fld>
             <a:endParaRPr lang="en-GB"/>
           </a:p>
@@ -1551,7 +1551,7 @@
           <a:p>
             <a:fld id="{E6744CE3-0875-4B69-89C0-6F72D8139561}" type="datetimeFigureOut">
               <a:rPr lang="en-GB" smtClean="0"/>
-              <a:t>03/06/2025</a:t>
+              <a:t>05/06/2025</a:t>
             </a:fld>
             <a:endParaRPr lang="en-GB"/>
           </a:p>
@@ -1646,7 +1646,7 @@
           <a:p>
             <a:fld id="{E6744CE3-0875-4B69-89C0-6F72D8139561}" type="datetimeFigureOut">
               <a:rPr lang="en-GB" smtClean="0"/>
-              <a:t>03/06/2025</a:t>
+              <a:t>05/06/2025</a:t>
             </a:fld>
             <a:endParaRPr lang="en-GB"/>
           </a:p>
@@ -1859,7 +1859,7 @@
           <a:p>
             <a:fld id="{E6744CE3-0875-4B69-89C0-6F72D8139561}" type="datetimeFigureOut">
               <a:rPr lang="en-GB" smtClean="0"/>
-              <a:t>03/06/2025</a:t>
+              <a:t>05/06/2025</a:t>
             </a:fld>
             <a:endParaRPr lang="en-GB"/>
           </a:p>
@@ -3827,7 +3827,7 @@
                 </a:spcAft>
               </a:pPr>
               <a:r>
-                <a:rPr dirty="0">
+                <a:rPr b="1" dirty="0">
                   <a:solidFill>
                     <a:srgbClr val="000000">
                       <a:alpha val="100000"/>
@@ -3839,7 +3839,7 @@
                 <a:t>Metabolic Strategy SAR </a:t>
               </a:r>
               <a:r>
-                <a:rPr lang="en-US" dirty="0">
+                <a:rPr lang="en-US" b="1" dirty="0">
                   <a:solidFill>
                     <a:srgbClr val="000000">
                       <a:alpha val="100000"/>
@@ -3851,7 +3851,7 @@
                 <a:t>No </a:t>
               </a:r>
               <a:r>
-                <a:rPr dirty="0">
+                <a:rPr b="1" dirty="0">
                   <a:solidFill>
                     <a:srgbClr val="000000">
                       <a:alpha val="100000"/>
